--- a/moving-beyond-the-basics-in-r.pptx
+++ b/moving-beyond-the-basics-in-r.pptx
@@ -111,6 +111,11 @@
       </a:defRPr>
     </a:lvl9pPr>
   </p:defaultTextStyle>
+  <p:extLst>
+    <p:ext uri="{EFAFB233-063F-42B5-8137-9DF3F51BA10A}">
+      <p15:sldGuideLst xmlns:p15="http://schemas.microsoft.com/office/powerpoint/2012/main"/>
+    </p:ext>
+  </p:extLst>
 </p:presentation>
 </file>
 
@@ -535,57 +540,10 @@
                 <a:ea typeface="+mn-ea"/>
                 <a:cs typeface="+mn-cs"/>
               </a:rPr>
-              <a:t>Spreadsheet programs are very useful graphical interfaces for designing data tables and handling very basic data quality control functions. Spreadsheets are good for data entry. It’s important to think about data organization when setting up spreadsheets.</a:t>
-            </a:r>
-          </a:p>
-          <a:p>
-            <a:pPr marL="0" marR="0" lvl="0" indent="0" algn="l" defTabSz="914400" rtl="0" eaLnBrk="1" fontAlgn="auto" latinLnBrk="0" hangingPunct="1">
-              <a:lnSpc>
-                <a:spcPct val="100000"/>
-              </a:lnSpc>
-              <a:spcBef>
-                <a:spcPts val="0"/>
-              </a:spcBef>
-              <a:spcAft>
-                <a:spcPts val="0"/>
-              </a:spcAft>
-              <a:buClrTx/>
-              <a:buSzTx/>
-              <a:buFontTx/>
-              <a:buNone/>
-              <a:tabLst/>
-              <a:defRPr/>
-            </a:pPr>
-            <a:endParaRPr lang="en-CA" sz="1200" kern="1200" dirty="0" smtClean="0">
-              <a:solidFill>
-                <a:schemeClr val="tx1"/>
-              </a:solidFill>
-              <a:effectLst/>
-              <a:latin typeface="+mn-lt"/>
-              <a:ea typeface="+mn-ea"/>
-              <a:cs typeface="+mn-cs"/>
-            </a:endParaRPr>
-          </a:p>
-          <a:p>
-            <a:pPr marL="0" marR="0" lvl="0" indent="0" algn="l" defTabSz="914400" rtl="0" eaLnBrk="1" fontAlgn="auto" latinLnBrk="0" hangingPunct="1">
-              <a:lnSpc>
-                <a:spcPct val="100000"/>
-              </a:lnSpc>
-              <a:spcBef>
-                <a:spcPts val="0"/>
-              </a:spcBef>
-              <a:spcAft>
-                <a:spcPts val="0"/>
-              </a:spcAft>
-              <a:buClrTx/>
-              <a:buSzTx/>
-              <a:buFontTx/>
-              <a:buNone/>
-              <a:tabLst/>
-              <a:defRPr/>
-            </a:pPr>
-            <a:r>
-              <a:rPr lang="en-CA" sz="1200" i="1" kern="1200" dirty="0" smtClean="0">
+              <a:t>Spreadsheet programs are very useful graphical interfaces for designing data tables and handling very basic data quality control functions. Spreadsheets are good for data entry. It’s important to think about data organization when setting up spreadsheets</a:t>
+            </a:r>
+            <a:r>
+              <a:rPr lang="en-CA" sz="1200" kern="1200" dirty="0" smtClean="0">
                 <a:solidFill>
                   <a:schemeClr val="tx1"/>
                 </a:solidFill>
@@ -594,21 +552,9 @@
                 <a:ea typeface="+mn-ea"/>
                 <a:cs typeface="+mn-cs"/>
               </a:rPr>
-              <a:t>Who</a:t>
-            </a:r>
-            <a:r>
-              <a:rPr lang="en-CA" sz="1200" i="1" kern="1200" baseline="0" dirty="0" smtClean="0">
-                <a:solidFill>
-                  <a:schemeClr val="tx1"/>
-                </a:solidFill>
-                <a:effectLst/>
-                <a:latin typeface="+mn-lt"/>
-                <a:ea typeface="+mn-ea"/>
-                <a:cs typeface="+mn-cs"/>
-              </a:rPr>
-              <a:t> has used spreadsheets in their research? Who has accidently done something catastrophic or near catastrophic to their raw data in a spreadsheet?</a:t>
-            </a:r>
-            <a:endParaRPr lang="en-CA" sz="1200" i="1" kern="1200" dirty="0" smtClean="0">
+              <a:t>.</a:t>
+            </a:r>
+            <a:endParaRPr lang="en-CA" sz="1200" kern="1200" dirty="0" smtClean="0">
               <a:solidFill>
                 <a:schemeClr val="tx1"/>
               </a:solidFill>
@@ -946,18 +892,13 @@
             </a:pPr>
             <a:r>
               <a:rPr lang="en-CA" baseline="0" dirty="0" smtClean="0"/>
-              <a:t>No punctuation, especially commas!!</a:t>
-            </a:r>
-          </a:p>
-          <a:p>
-            <a:pPr marL="228600" indent="-228600">
-              <a:buAutoNum type="arabicPeriod"/>
-            </a:pPr>
-            <a:r>
-              <a:rPr lang="en-CA" i="1" baseline="0" dirty="0" smtClean="0"/>
-              <a:t>How many people have dealt with problematic dates in a spreadsheet?</a:t>
-            </a:r>
-            <a:endParaRPr lang="en-CA" i="1" dirty="0"/>
+              <a:t>No punctuation, especially commas</a:t>
+            </a:r>
+            <a:r>
+              <a:rPr lang="en-CA" baseline="0" dirty="0" smtClean="0"/>
+              <a:t>!!</a:t>
+            </a:r>
+            <a:endParaRPr lang="en-CA" baseline="0" dirty="0" smtClean="0"/>
           </a:p>
         </p:txBody>
       </p:sp>
@@ -1041,14 +982,6 @@
           <a:bodyPr/>
           <a:lstStyle/>
           <a:p>
-            <a:r>
-              <a:rPr lang="en-CA" dirty="0" smtClean="0"/>
-              <a:t>Demonstrate</a:t>
-            </a:r>
-            <a:r>
-              <a:rPr lang="en-CA" baseline="0" dirty="0" smtClean="0"/>
-              <a:t> how to extract date information in Excel.</a:t>
-            </a:r>
             <a:endParaRPr lang="en-CA" dirty="0"/>
           </a:p>
         </p:txBody>
@@ -1221,7 +1154,7 @@
             <a:fld id="{08B9EBBA-996F-894A-B54A-D6246ED52CEA}" type="datetimeFigureOut">
               <a:rPr lang="en-US" smtClean="0"/>
               <a:pPr/>
-              <a:t>10/18/2017</a:t>
+              <a:t>10/19/2017</a:t>
             </a:fld>
             <a:endParaRPr lang="en-US" dirty="0"/>
           </a:p>
@@ -1393,7 +1326,7 @@
             <a:fld id="{C6C52C72-DE31-F449-A4ED-4C594FD91407}" type="datetimeFigureOut">
               <a:rPr lang="en-US" smtClean="0"/>
               <a:pPr/>
-              <a:t>10/18/2017</a:t>
+              <a:t>10/19/2017</a:t>
             </a:fld>
             <a:endParaRPr lang="en-US" dirty="0"/>
           </a:p>
@@ -1575,7 +1508,7 @@
             <a:fld id="{ED62726E-379B-B349-9EED-81ED093FA806}" type="datetimeFigureOut">
               <a:rPr lang="en-US" smtClean="0"/>
               <a:pPr/>
-              <a:t>10/18/2017</a:t>
+              <a:t>10/19/2017</a:t>
             </a:fld>
             <a:endParaRPr lang="en-US" dirty="0"/>
           </a:p>
@@ -1747,7 +1680,7 @@
             <a:fld id="{9B3A1323-8D79-1946-B0D7-40001CF92E9D}" type="datetimeFigureOut">
               <a:rPr lang="en-US" smtClean="0"/>
               <a:pPr/>
-              <a:t>10/18/2017</a:t>
+              <a:t>10/19/2017</a:t>
             </a:fld>
             <a:endParaRPr lang="en-US" dirty="0"/>
           </a:p>
@@ -1995,7 +1928,7 @@
             <a:fld id="{8DFA1846-DA80-1C48-A609-854EA85C59AD}" type="datetimeFigureOut">
               <a:rPr lang="en-US" smtClean="0"/>
               <a:pPr/>
-              <a:t>10/18/2017</a:t>
+              <a:t>10/19/2017</a:t>
             </a:fld>
             <a:endParaRPr lang="en-US" dirty="0"/>
           </a:p>
@@ -2229,7 +2162,7 @@
             <a:fld id="{57302355-E14B-8545-A8F8-0FE83CC9D524}" type="datetimeFigureOut">
               <a:rPr lang="en-US" smtClean="0"/>
               <a:pPr/>
-              <a:t>10/18/2017</a:t>
+              <a:t>10/19/2017</a:t>
             </a:fld>
             <a:endParaRPr lang="en-US" dirty="0"/>
           </a:p>
@@ -2598,7 +2531,7 @@
             <a:fld id="{02640F58-564D-2B4F-AE67-E407BA4FCF45}" type="datetimeFigureOut">
               <a:rPr lang="en-US" smtClean="0"/>
               <a:pPr/>
-              <a:t>10/18/2017</a:t>
+              <a:t>10/19/2017</a:t>
             </a:fld>
             <a:endParaRPr lang="en-US" dirty="0"/>
           </a:p>
@@ -2718,7 +2651,7 @@
             <a:fld id="{F13A34C8-038E-2045-AF43-DF7DBB8E0E9E}" type="datetimeFigureOut">
               <a:rPr lang="en-US" smtClean="0"/>
               <a:pPr/>
-              <a:t>10/18/2017</a:t>
+              <a:t>10/19/2017</a:t>
             </a:fld>
             <a:endParaRPr lang="en-US" dirty="0"/>
           </a:p>
@@ -2815,7 +2748,7 @@
             <a:fld id="{8818C68F-D26B-8F47-958C-23B49CF8A634}" type="datetimeFigureOut">
               <a:rPr lang="en-US" smtClean="0"/>
               <a:pPr/>
-              <a:t>10/18/2017</a:t>
+              <a:t>10/19/2017</a:t>
             </a:fld>
             <a:endParaRPr lang="en-US" dirty="0"/>
           </a:p>
@@ -3094,7 +3027,7 @@
             <a:fld id="{D0DF5E60-9974-AC48-9591-99C2BB44B7CF}" type="datetimeFigureOut">
               <a:rPr lang="en-US" smtClean="0"/>
               <a:pPr/>
-              <a:t>10/18/2017</a:t>
+              <a:t>10/19/2017</a:t>
             </a:fld>
             <a:endParaRPr lang="en-US" dirty="0"/>
           </a:p>
@@ -3349,7 +3282,7 @@
             <a:fld id="{18C79C5D-2A6F-F04D-97DA-BEF2467B64E4}" type="datetimeFigureOut">
               <a:rPr lang="en-US" smtClean="0"/>
               <a:pPr/>
-              <a:t>10/18/2017</a:t>
+              <a:t>10/19/2017</a:t>
             </a:fld>
             <a:endParaRPr lang="en-US" dirty="0"/>
           </a:p>
@@ -3564,7 +3497,7 @@
             <a:fld id="{09B482E8-6E0E-1B4F-B1FD-C69DB9E858D9}" type="datetimeFigureOut">
               <a:rPr lang="en-US" smtClean="0"/>
               <a:pPr/>
-              <a:t>10/18/2017</a:t>
+              <a:t>10/19/2017</a:t>
             </a:fld>
             <a:endParaRPr lang="en-US" dirty="0"/>
           </a:p>
@@ -4291,9 +4224,6 @@
               </a:rPr>
               <a:t>Leave the raw data raw</a:t>
             </a:r>
-            <a:endParaRPr lang="en-CA" sz="3000" dirty="0" smtClean="0">
-              <a:latin typeface="Century Gothic" panose="020B0502020202020204" pitchFamily="34" charset="0"/>
-            </a:endParaRPr>
           </a:p>
         </p:txBody>
       </p:sp>
